--- a/Documentations/ui 수정중2.pptx
+++ b/Documentations/ui 수정중2.pptx
@@ -5331,6 +5331,902 @@
           </a:p>
         </p:txBody>
       </p:sp>
+      <p:sp>
+        <p:nvSpPr>
+          <p:cNvPr id="16" name="직사각형 15"/>
+          <p:cNvSpPr/>
+          <p:nvPr/>
+        </p:nvSpPr>
+        <p:spPr>
+          <a:xfrm>
+            <a:off x="2382134" y="5229200"/>
+            <a:ext cx="1757818" cy="288032"/>
+          </a:xfrm>
+          <a:prstGeom prst="rect">
+            <a:avLst/>
+          </a:prstGeom>
+          <a:ln>
+            <a:solidFill>
+              <a:schemeClr val="bg1"/>
+            </a:solidFill>
+          </a:ln>
+        </p:spPr>
+        <p:style>
+          <a:lnRef idx="2">
+            <a:schemeClr val="accent1"/>
+          </a:lnRef>
+          <a:fillRef idx="1">
+            <a:schemeClr val="lt1"/>
+          </a:fillRef>
+          <a:effectRef idx="0">
+            <a:schemeClr val="accent1"/>
+          </a:effectRef>
+          <a:fontRef idx="minor">
+            <a:schemeClr val="dk1"/>
+          </a:fontRef>
+        </p:style>
+        <p:txBody>
+          <a:bodyPr rtlCol="0" anchor="ctr"/>
+          <a:lstStyle/>
+          <a:p>
+            <a:pPr algn="ctr"/>
+            <a:endParaRPr lang="ko-KR" altLang="en-US"/>
+          </a:p>
+        </p:txBody>
+      </p:sp>
+      <p:sp>
+        <p:nvSpPr>
+          <p:cNvPr id="14" name="TextBox 13"/>
+          <p:cNvSpPr txBox="1"/>
+          <p:nvPr/>
+        </p:nvSpPr>
+        <p:spPr>
+          <a:xfrm>
+            <a:off x="2339752" y="5191308"/>
+            <a:ext cx="968535" cy="276999"/>
+          </a:xfrm>
+          <a:prstGeom prst="rect">
+            <a:avLst/>
+          </a:prstGeom>
+          <a:noFill/>
+        </p:spPr>
+        <p:txBody>
+          <a:bodyPr wrap="none" rtlCol="0">
+            <a:spAutoFit/>
+          </a:bodyPr>
+          <a:lstStyle/>
+          <a:p>
+            <a:r>
+              <a:rPr lang="ko-KR" altLang="en-US" sz="1200" b="1" dirty="0" smtClean="0">
+                <a:solidFill>
+                  <a:schemeClr val="bg1">
+                    <a:lumMod val="50000"/>
+                  </a:schemeClr>
+                </a:solidFill>
+                <a:effectLst>
+                  <a:outerShdw blurRad="38100" dist="38100" dir="2700000" algn="tl">
+                    <a:srgbClr val="000000">
+                      <a:alpha val="43137"/>
+                    </a:srgbClr>
+                  </a:outerShdw>
+                </a:effectLst>
+                <a:ea typeface="MD이솝체" pitchFamily="18" charset="-127"/>
+              </a:rPr>
+              <a:t>농심 신라면</a:t>
+            </a:r>
+            <a:endParaRPr lang="ko-KR" altLang="en-US" sz="1200" b="1" dirty="0">
+              <a:solidFill>
+                <a:schemeClr val="bg1">
+                  <a:lumMod val="50000"/>
+                </a:schemeClr>
+              </a:solidFill>
+              <a:effectLst>
+                <a:outerShdw blurRad="38100" dist="38100" dir="2700000" algn="tl">
+                  <a:srgbClr val="000000">
+                    <a:alpha val="43137"/>
+                  </a:srgbClr>
+                </a:outerShdw>
+              </a:effectLst>
+              <a:ea typeface="MD이솝체" pitchFamily="18" charset="-127"/>
+            </a:endParaRPr>
+          </a:p>
+        </p:txBody>
+      </p:sp>
+      <p:sp>
+        <p:nvSpPr>
+          <p:cNvPr id="17" name="직사각형 16"/>
+          <p:cNvSpPr/>
+          <p:nvPr/>
+        </p:nvSpPr>
+        <p:spPr>
+          <a:xfrm>
+            <a:off x="2382134" y="6093296"/>
+            <a:ext cx="1901834" cy="288032"/>
+          </a:xfrm>
+          <a:prstGeom prst="rect">
+            <a:avLst/>
+          </a:prstGeom>
+          <a:ln>
+            <a:solidFill>
+              <a:schemeClr val="bg1"/>
+            </a:solidFill>
+          </a:ln>
+        </p:spPr>
+        <p:style>
+          <a:lnRef idx="2">
+            <a:schemeClr val="accent1"/>
+          </a:lnRef>
+          <a:fillRef idx="1">
+            <a:schemeClr val="lt1"/>
+          </a:fillRef>
+          <a:effectRef idx="0">
+            <a:schemeClr val="accent1"/>
+          </a:effectRef>
+          <a:fontRef idx="minor">
+            <a:schemeClr val="dk1"/>
+          </a:fontRef>
+        </p:style>
+        <p:txBody>
+          <a:bodyPr rtlCol="0" anchor="ctr"/>
+          <a:lstStyle/>
+          <a:p>
+            <a:pPr algn="ctr"/>
+            <a:endParaRPr lang="ko-KR" altLang="en-US"/>
+          </a:p>
+        </p:txBody>
+      </p:sp>
+      <p:sp>
+        <p:nvSpPr>
+          <p:cNvPr id="18" name="TextBox 17"/>
+          <p:cNvSpPr txBox="1"/>
+          <p:nvPr/>
+        </p:nvSpPr>
+        <p:spPr>
+          <a:xfrm>
+            <a:off x="2339752" y="6032321"/>
+            <a:ext cx="1260281" cy="276999"/>
+          </a:xfrm>
+          <a:prstGeom prst="rect">
+            <a:avLst/>
+          </a:prstGeom>
+          <a:noFill/>
+        </p:spPr>
+        <p:txBody>
+          <a:bodyPr wrap="none" rtlCol="0">
+            <a:spAutoFit/>
+          </a:bodyPr>
+          <a:lstStyle/>
+          <a:p>
+            <a:r>
+              <a:rPr lang="ko-KR" altLang="en-US" sz="1200" b="1" dirty="0" smtClean="0">
+                <a:solidFill>
+                  <a:schemeClr val="bg1">
+                    <a:lumMod val="50000"/>
+                  </a:schemeClr>
+                </a:solidFill>
+                <a:effectLst>
+                  <a:outerShdw blurRad="38100" dist="38100" dir="2700000" algn="tl">
+                    <a:srgbClr val="000000">
+                      <a:alpha val="43137"/>
+                    </a:srgbClr>
+                  </a:outerShdw>
+                </a:effectLst>
+                <a:ea typeface="MD이솝체" pitchFamily="18" charset="-127"/>
+              </a:rPr>
+              <a:t>삼양 불닭볶음면</a:t>
+            </a:r>
+            <a:endParaRPr lang="ko-KR" altLang="en-US" sz="1200" b="1" dirty="0">
+              <a:solidFill>
+                <a:schemeClr val="bg1">
+                  <a:lumMod val="50000"/>
+                </a:schemeClr>
+              </a:solidFill>
+              <a:effectLst>
+                <a:outerShdw blurRad="38100" dist="38100" dir="2700000" algn="tl">
+                  <a:srgbClr val="000000">
+                    <a:alpha val="43137"/>
+                  </a:srgbClr>
+                </a:outerShdw>
+              </a:effectLst>
+              <a:ea typeface="MD이솝체" pitchFamily="18" charset="-127"/>
+            </a:endParaRPr>
+          </a:p>
+        </p:txBody>
+      </p:sp>
+      <p:sp>
+        <p:nvSpPr>
+          <p:cNvPr id="21" name="직사각형 20"/>
+          <p:cNvSpPr/>
+          <p:nvPr/>
+        </p:nvSpPr>
+        <p:spPr>
+          <a:xfrm>
+            <a:off x="1552575" y="2736850"/>
+            <a:ext cx="2328971" cy="409575"/>
+          </a:xfrm>
+          <a:prstGeom prst="rect">
+            <a:avLst/>
+          </a:prstGeom>
+          <a:ln>
+            <a:solidFill>
+              <a:schemeClr val="bg1"/>
+            </a:solidFill>
+          </a:ln>
+        </p:spPr>
+        <p:style>
+          <a:lnRef idx="2">
+            <a:schemeClr val="accent1"/>
+          </a:lnRef>
+          <a:fillRef idx="1">
+            <a:schemeClr val="lt1"/>
+          </a:fillRef>
+          <a:effectRef idx="0">
+            <a:schemeClr val="accent1"/>
+          </a:effectRef>
+          <a:fontRef idx="minor">
+            <a:schemeClr val="dk1"/>
+          </a:fontRef>
+        </p:style>
+        <p:txBody>
+          <a:bodyPr rtlCol="0" anchor="ctr"/>
+          <a:lstStyle/>
+          <a:p>
+            <a:pPr algn="ctr"/>
+            <a:endParaRPr lang="ko-KR" altLang="en-US"/>
+          </a:p>
+        </p:txBody>
+      </p:sp>
+      <p:sp>
+        <p:nvSpPr>
+          <p:cNvPr id="22" name="직사각형 21"/>
+          <p:cNvSpPr/>
+          <p:nvPr/>
+        </p:nvSpPr>
+        <p:spPr>
+          <a:xfrm>
+            <a:off x="1552575" y="3317875"/>
+            <a:ext cx="2367647" cy="400050"/>
+          </a:xfrm>
+          <a:prstGeom prst="rect">
+            <a:avLst/>
+          </a:prstGeom>
+          <a:ln>
+            <a:solidFill>
+              <a:schemeClr val="bg1"/>
+            </a:solidFill>
+          </a:ln>
+        </p:spPr>
+        <p:style>
+          <a:lnRef idx="2">
+            <a:schemeClr val="accent1"/>
+          </a:lnRef>
+          <a:fillRef idx="1">
+            <a:schemeClr val="lt1"/>
+          </a:fillRef>
+          <a:effectRef idx="0">
+            <a:schemeClr val="accent1"/>
+          </a:effectRef>
+          <a:fontRef idx="minor">
+            <a:schemeClr val="dk1"/>
+          </a:fontRef>
+        </p:style>
+        <p:txBody>
+          <a:bodyPr rtlCol="0" anchor="ctr"/>
+          <a:lstStyle/>
+          <a:p>
+            <a:pPr algn="ctr"/>
+            <a:endParaRPr lang="ko-KR" altLang="en-US"/>
+          </a:p>
+        </p:txBody>
+      </p:sp>
+      <p:sp>
+        <p:nvSpPr>
+          <p:cNvPr id="23" name="직사각형 22"/>
+          <p:cNvSpPr/>
+          <p:nvPr/>
+        </p:nvSpPr>
+        <p:spPr>
+          <a:xfrm>
+            <a:off x="1552575" y="3876675"/>
+            <a:ext cx="2376775" cy="412749"/>
+          </a:xfrm>
+          <a:prstGeom prst="rect">
+            <a:avLst/>
+          </a:prstGeom>
+          <a:ln>
+            <a:solidFill>
+              <a:schemeClr val="bg1"/>
+            </a:solidFill>
+          </a:ln>
+        </p:spPr>
+        <p:style>
+          <a:lnRef idx="2">
+            <a:schemeClr val="accent1"/>
+          </a:lnRef>
+          <a:fillRef idx="1">
+            <a:schemeClr val="lt1"/>
+          </a:fillRef>
+          <a:effectRef idx="0">
+            <a:schemeClr val="accent1"/>
+          </a:effectRef>
+          <a:fontRef idx="minor">
+            <a:schemeClr val="dk1"/>
+          </a:fontRef>
+        </p:style>
+        <p:txBody>
+          <a:bodyPr rtlCol="0" anchor="ctr"/>
+          <a:lstStyle/>
+          <a:p>
+            <a:pPr algn="ctr"/>
+            <a:endParaRPr lang="ko-KR" altLang="en-US"/>
+          </a:p>
+        </p:txBody>
+      </p:sp>
+      <p:pic>
+        <p:nvPicPr>
+          <p:cNvPr id="1037" name="Picture 13"/>
+          <p:cNvPicPr>
+            <a:picLocks noChangeAspect="1" noChangeArrowheads="1"/>
+          </p:cNvPicPr>
+          <p:nvPr/>
+        </p:nvPicPr>
+        <p:blipFill>
+          <a:blip r:embed="rId4" cstate="print">
+            <a:extLst>
+              <a:ext uri="{28A0092B-C50C-407E-A947-70E740481C1C}">
+                <a14:useLocalDpi xmlns:a14="http://schemas.microsoft.com/office/drawing/2010/main" val="0"/>
+              </a:ext>
+            </a:extLst>
+          </a:blip>
+          <a:srcRect/>
+          <a:stretch>
+            <a:fillRect/>
+          </a:stretch>
+        </p:blipFill>
+        <p:spPr bwMode="auto">
+          <a:xfrm>
+            <a:off x="1640867" y="2724150"/>
+            <a:ext cx="554869" cy="459310"/>
+          </a:xfrm>
+          <a:prstGeom prst="rect">
+            <a:avLst/>
+          </a:prstGeom>
+          <a:noFill/>
+          <a:ln>
+            <a:noFill/>
+          </a:ln>
+          <a:effectLst/>
+          <a:extLst>
+            <a:ext uri="{909E8E84-426E-40DD-AFC4-6F175D3DCCD1}">
+              <a14:hiddenFill xmlns:a14="http://schemas.microsoft.com/office/drawing/2010/main">
+                <a:solidFill>
+                  <a:schemeClr val="accent1"/>
+                </a:solidFill>
+              </a14:hiddenFill>
+            </a:ext>
+            <a:ext uri="{91240B29-F687-4F45-9708-019B960494DF}">
+              <a14:hiddenLine xmlns:a14="http://schemas.microsoft.com/office/drawing/2010/main" w="9525">
+                <a:solidFill>
+                  <a:schemeClr val="tx1"/>
+                </a:solidFill>
+                <a:miter lim="800000"/>
+                <a:headEnd/>
+                <a:tailEnd/>
+              </a14:hiddenLine>
+            </a:ext>
+            <a:ext uri="{AF507438-7753-43E0-B8FC-AC1667EBCBE1}">
+              <a14:hiddenEffects xmlns:a14="http://schemas.microsoft.com/office/drawing/2010/main">
+                <a:effectLst>
+                  <a:outerShdw dist="35921" dir="2700000" algn="ctr" rotWithShape="0">
+                    <a:schemeClr val="bg2"/>
+                  </a:outerShdw>
+                </a:effectLst>
+              </a14:hiddenEffects>
+            </a:ext>
+          </a:extLst>
+        </p:spPr>
+      </p:pic>
+      <p:sp>
+        <p:nvSpPr>
+          <p:cNvPr id="26" name="TextBox 25"/>
+          <p:cNvSpPr txBox="1"/>
+          <p:nvPr/>
+        </p:nvSpPr>
+        <p:spPr>
+          <a:xfrm>
+            <a:off x="2339751" y="2815305"/>
+            <a:ext cx="968535" cy="276999"/>
+          </a:xfrm>
+          <a:prstGeom prst="rect">
+            <a:avLst/>
+          </a:prstGeom>
+          <a:noFill/>
+        </p:spPr>
+        <p:txBody>
+          <a:bodyPr wrap="none" rtlCol="0">
+            <a:spAutoFit/>
+          </a:bodyPr>
+          <a:lstStyle/>
+          <a:p>
+            <a:r>
+              <a:rPr lang="ko-KR" altLang="en-US" sz="1200" b="1" dirty="0" smtClean="0">
+                <a:solidFill>
+                  <a:schemeClr val="bg1">
+                    <a:lumMod val="50000"/>
+                  </a:schemeClr>
+                </a:solidFill>
+                <a:effectLst>
+                  <a:outerShdw blurRad="38100" dist="38100" dir="2700000" algn="tl">
+                    <a:srgbClr val="000000">
+                      <a:alpha val="43137"/>
+                    </a:srgbClr>
+                  </a:outerShdw>
+                </a:effectLst>
+                <a:ea typeface="MD이솝체" pitchFamily="18" charset="-127"/>
+              </a:rPr>
+              <a:t>농심 맛짬뽕</a:t>
+            </a:r>
+            <a:endParaRPr lang="ko-KR" altLang="en-US" sz="1200" b="1" dirty="0">
+              <a:solidFill>
+                <a:schemeClr val="bg1">
+                  <a:lumMod val="50000"/>
+                </a:schemeClr>
+              </a:solidFill>
+              <a:effectLst>
+                <a:outerShdw blurRad="38100" dist="38100" dir="2700000" algn="tl">
+                  <a:srgbClr val="000000">
+                    <a:alpha val="43137"/>
+                  </a:srgbClr>
+                </a:outerShdw>
+              </a:effectLst>
+              <a:ea typeface="MD이솝체" pitchFamily="18" charset="-127"/>
+            </a:endParaRPr>
+          </a:p>
+        </p:txBody>
+      </p:sp>
+      <p:sp>
+        <p:nvSpPr>
+          <p:cNvPr id="27" name="TextBox 26"/>
+          <p:cNvSpPr txBox="1"/>
+          <p:nvPr/>
+        </p:nvSpPr>
+        <p:spPr>
+          <a:xfrm>
+            <a:off x="2339752" y="3367618"/>
+            <a:ext cx="1114408" cy="276999"/>
+          </a:xfrm>
+          <a:prstGeom prst="rect">
+            <a:avLst/>
+          </a:prstGeom>
+          <a:noFill/>
+        </p:spPr>
+        <p:txBody>
+          <a:bodyPr wrap="none" rtlCol="0">
+            <a:spAutoFit/>
+          </a:bodyPr>
+          <a:lstStyle/>
+          <a:p>
+            <a:r>
+              <a:rPr lang="ko-KR" altLang="en-US" sz="1200" b="1" dirty="0" smtClean="0">
+                <a:solidFill>
+                  <a:schemeClr val="bg1">
+                    <a:lumMod val="50000"/>
+                  </a:schemeClr>
+                </a:solidFill>
+                <a:effectLst>
+                  <a:outerShdw blurRad="38100" dist="38100" dir="2700000" algn="tl">
+                    <a:srgbClr val="000000">
+                      <a:alpha val="43137"/>
+                    </a:srgbClr>
+                  </a:outerShdw>
+                </a:effectLst>
+                <a:ea typeface="MD이솝체" pitchFamily="18" charset="-127"/>
+              </a:rPr>
+              <a:t>오뚜</a:t>
+            </a:r>
+            <a:r>
+              <a:rPr lang="ko-KR" altLang="en-US" sz="1200" b="1" dirty="0">
+                <a:solidFill>
+                  <a:schemeClr val="bg1">
+                    <a:lumMod val="50000"/>
+                  </a:schemeClr>
+                </a:solidFill>
+                <a:effectLst>
+                  <a:outerShdw blurRad="38100" dist="38100" dir="2700000" algn="tl">
+                    <a:srgbClr val="000000">
+                      <a:alpha val="43137"/>
+                    </a:srgbClr>
+                  </a:outerShdw>
+                </a:effectLst>
+                <a:ea typeface="MD이솝체" pitchFamily="18" charset="-127"/>
+              </a:rPr>
+              <a:t>기</a:t>
+            </a:r>
+            <a:r>
+              <a:rPr lang="ko-KR" altLang="en-US" sz="1200" b="1" dirty="0" smtClean="0">
+                <a:solidFill>
+                  <a:schemeClr val="bg1">
+                    <a:lumMod val="50000"/>
+                  </a:schemeClr>
+                </a:solidFill>
+                <a:effectLst>
+                  <a:outerShdw blurRad="38100" dist="38100" dir="2700000" algn="tl">
+                    <a:srgbClr val="000000">
+                      <a:alpha val="43137"/>
+                    </a:srgbClr>
+                  </a:outerShdw>
+                </a:effectLst>
+                <a:ea typeface="MD이솝체" pitchFamily="18" charset="-127"/>
+              </a:rPr>
+              <a:t> 진짬뽕</a:t>
+            </a:r>
+            <a:endParaRPr lang="ko-KR" altLang="en-US" sz="1200" b="1" dirty="0">
+              <a:solidFill>
+                <a:schemeClr val="bg1">
+                  <a:lumMod val="50000"/>
+                </a:schemeClr>
+              </a:solidFill>
+              <a:effectLst>
+                <a:outerShdw blurRad="38100" dist="38100" dir="2700000" algn="tl">
+                  <a:srgbClr val="000000">
+                    <a:alpha val="43137"/>
+                  </a:srgbClr>
+                </a:outerShdw>
+              </a:effectLst>
+              <a:ea typeface="MD이솝체" pitchFamily="18" charset="-127"/>
+            </a:endParaRPr>
+          </a:p>
+        </p:txBody>
+      </p:sp>
+      <p:sp>
+        <p:nvSpPr>
+          <p:cNvPr id="28" name="TextBox 27"/>
+          <p:cNvSpPr txBox="1"/>
+          <p:nvPr/>
+        </p:nvSpPr>
+        <p:spPr>
+          <a:xfrm>
+            <a:off x="2339752" y="3933056"/>
+            <a:ext cx="968535" cy="276999"/>
+          </a:xfrm>
+          <a:prstGeom prst="rect">
+            <a:avLst/>
+          </a:prstGeom>
+          <a:noFill/>
+        </p:spPr>
+        <p:txBody>
+          <a:bodyPr wrap="none" rtlCol="0">
+            <a:spAutoFit/>
+          </a:bodyPr>
+          <a:lstStyle/>
+          <a:p>
+            <a:r>
+              <a:rPr lang="ko-KR" altLang="en-US" sz="1200" b="1" dirty="0" smtClean="0">
+                <a:solidFill>
+                  <a:schemeClr val="bg1">
+                    <a:lumMod val="50000"/>
+                  </a:schemeClr>
+                </a:solidFill>
+                <a:effectLst>
+                  <a:outerShdw blurRad="38100" dist="38100" dir="2700000" algn="tl">
+                    <a:srgbClr val="000000">
+                      <a:alpha val="43137"/>
+                    </a:srgbClr>
+                  </a:outerShdw>
+                </a:effectLst>
+                <a:ea typeface="MD이솝체" pitchFamily="18" charset="-127"/>
+              </a:rPr>
+              <a:t>팔도 </a:t>
+            </a:r>
+            <a:r>
+              <a:rPr lang="ko-KR" altLang="en-US" sz="1200" b="1" dirty="0">
+                <a:solidFill>
+                  <a:schemeClr val="bg1">
+                    <a:lumMod val="50000"/>
+                  </a:schemeClr>
+                </a:solidFill>
+                <a:effectLst>
+                  <a:outerShdw blurRad="38100" dist="38100" dir="2700000" algn="tl">
+                    <a:srgbClr val="000000">
+                      <a:alpha val="43137"/>
+                    </a:srgbClr>
+                  </a:outerShdw>
+                </a:effectLst>
+                <a:ea typeface="MD이솝체" pitchFamily="18" charset="-127"/>
+              </a:rPr>
+              <a:t>불</a:t>
+            </a:r>
+            <a:r>
+              <a:rPr lang="ko-KR" altLang="en-US" sz="1200" b="1" dirty="0" smtClean="0">
+                <a:solidFill>
+                  <a:schemeClr val="bg1">
+                    <a:lumMod val="50000"/>
+                  </a:schemeClr>
+                </a:solidFill>
+                <a:effectLst>
+                  <a:outerShdw blurRad="38100" dist="38100" dir="2700000" algn="tl">
+                    <a:srgbClr val="000000">
+                      <a:alpha val="43137"/>
+                    </a:srgbClr>
+                  </a:outerShdw>
+                </a:effectLst>
+                <a:ea typeface="MD이솝체" pitchFamily="18" charset="-127"/>
+              </a:rPr>
+              <a:t>짬뽕</a:t>
+            </a:r>
+            <a:endParaRPr lang="ko-KR" altLang="en-US" sz="1200" b="1" dirty="0">
+              <a:solidFill>
+                <a:schemeClr val="bg1">
+                  <a:lumMod val="50000"/>
+                </a:schemeClr>
+              </a:solidFill>
+              <a:effectLst>
+                <a:outerShdw blurRad="38100" dist="38100" dir="2700000" algn="tl">
+                  <a:srgbClr val="000000">
+                    <a:alpha val="43137"/>
+                  </a:srgbClr>
+                </a:outerShdw>
+              </a:effectLst>
+              <a:ea typeface="MD이솝체" pitchFamily="18" charset="-127"/>
+            </a:endParaRPr>
+          </a:p>
+        </p:txBody>
+      </p:sp>
+      <p:sp>
+        <p:nvSpPr>
+          <p:cNvPr id="30" name="직사각형 29"/>
+          <p:cNvSpPr/>
+          <p:nvPr/>
+        </p:nvSpPr>
+        <p:spPr>
+          <a:xfrm>
+            <a:off x="1518038" y="1916832"/>
+            <a:ext cx="1757818" cy="288032"/>
+          </a:xfrm>
+          <a:prstGeom prst="rect">
+            <a:avLst/>
+          </a:prstGeom>
+          <a:ln>
+            <a:solidFill>
+              <a:schemeClr val="bg1"/>
+            </a:solidFill>
+          </a:ln>
+        </p:spPr>
+        <p:style>
+          <a:lnRef idx="2">
+            <a:schemeClr val="accent1"/>
+          </a:lnRef>
+          <a:fillRef idx="1">
+            <a:schemeClr val="lt1"/>
+          </a:fillRef>
+          <a:effectRef idx="0">
+            <a:schemeClr val="accent1"/>
+          </a:effectRef>
+          <a:fontRef idx="minor">
+            <a:schemeClr val="dk1"/>
+          </a:fontRef>
+        </p:style>
+        <p:txBody>
+          <a:bodyPr rtlCol="0" anchor="ctr"/>
+          <a:lstStyle/>
+          <a:p>
+            <a:pPr algn="ctr"/>
+            <a:endParaRPr lang="ko-KR" altLang="en-US"/>
+          </a:p>
+        </p:txBody>
+      </p:sp>
+      <p:sp>
+        <p:nvSpPr>
+          <p:cNvPr id="29" name="TextBox 28"/>
+          <p:cNvSpPr txBox="1"/>
+          <p:nvPr/>
+        </p:nvSpPr>
+        <p:spPr>
+          <a:xfrm>
+            <a:off x="1531189" y="1896749"/>
+            <a:ext cx="476412" cy="276999"/>
+          </a:xfrm>
+          <a:prstGeom prst="rect">
+            <a:avLst/>
+          </a:prstGeom>
+          <a:noFill/>
+        </p:spPr>
+        <p:txBody>
+          <a:bodyPr wrap="none" rtlCol="0">
+            <a:spAutoFit/>
+          </a:bodyPr>
+          <a:lstStyle/>
+          <a:p>
+            <a:r>
+              <a:rPr lang="ko-KR" altLang="en-US" sz="1200" dirty="0" smtClean="0">
+                <a:effectLst>
+                  <a:outerShdw blurRad="38100" dist="38100" dir="2700000" algn="tl">
+                    <a:srgbClr val="000000">
+                      <a:alpha val="43137"/>
+                    </a:srgbClr>
+                  </a:outerShdw>
+                </a:effectLst>
+                <a:ea typeface="MD이솝체" pitchFamily="18" charset="-127"/>
+              </a:rPr>
+              <a:t>짬뽕</a:t>
+            </a:r>
+            <a:endParaRPr lang="ko-KR" altLang="en-US" sz="1200" dirty="0">
+              <a:effectLst>
+                <a:outerShdw blurRad="38100" dist="38100" dir="2700000" algn="tl">
+                  <a:srgbClr val="000000">
+                    <a:alpha val="43137"/>
+                  </a:srgbClr>
+                </a:outerShdw>
+              </a:effectLst>
+              <a:ea typeface="MD이솝체" pitchFamily="18" charset="-127"/>
+            </a:endParaRPr>
+          </a:p>
+        </p:txBody>
+      </p:sp>
+      <p:pic>
+        <p:nvPicPr>
+          <p:cNvPr id="1039" name="Picture 15" descr="https://attachment.namu.wiki/%EC%82%BC%EC%96%91%20%EB%B6%88%EB%8B%AD%EB%B3%B6%EC%9D%8C%EB%A9%B4__2560_1305_1118.jpg"/>
+          <p:cNvPicPr>
+            <a:picLocks noChangeAspect="1" noChangeArrowheads="1"/>
+          </p:cNvPicPr>
+          <p:nvPr/>
+        </p:nvPicPr>
+        <p:blipFill>
+          <a:blip r:embed="rId5" cstate="print">
+            <a:extLst>
+              <a:ext uri="{28A0092B-C50C-407E-A947-70E740481C1C}">
+                <a14:useLocalDpi xmlns:a14="http://schemas.microsoft.com/office/drawing/2010/main" val="0"/>
+              </a:ext>
+            </a:extLst>
+          </a:blip>
+          <a:srcRect/>
+          <a:stretch>
+            <a:fillRect/>
+          </a:stretch>
+        </p:blipFill>
+        <p:spPr bwMode="auto">
+          <a:xfrm>
+            <a:off x="1585754" y="5733256"/>
+            <a:ext cx="715908" cy="720080"/>
+          </a:xfrm>
+          <a:prstGeom prst="rect">
+            <a:avLst/>
+          </a:prstGeom>
+          <a:noFill/>
+          <a:extLst>
+            <a:ext uri="{909E8E84-426E-40DD-AFC4-6F175D3DCCD1}">
+              <a14:hiddenFill xmlns:a14="http://schemas.microsoft.com/office/drawing/2010/main">
+                <a:solidFill>
+                  <a:srgbClr val="FFFFFF"/>
+                </a:solidFill>
+              </a14:hiddenFill>
+            </a:ext>
+          </a:extLst>
+        </p:spPr>
+      </p:pic>
+      <p:pic>
+        <p:nvPicPr>
+          <p:cNvPr id="1042" name="Picture 18" descr="http://www.shinramyun.com/resources/images/main/ramyun1.png"/>
+          <p:cNvPicPr>
+            <a:picLocks noChangeAspect="1" noChangeArrowheads="1"/>
+          </p:cNvPicPr>
+          <p:nvPr/>
+        </p:nvPicPr>
+        <p:blipFill>
+          <a:blip r:embed="rId6" cstate="print">
+            <a:extLst>
+              <a:ext uri="{28A0092B-C50C-407E-A947-70E740481C1C}">
+                <a14:useLocalDpi xmlns:a14="http://schemas.microsoft.com/office/drawing/2010/main" val="0"/>
+              </a:ext>
+            </a:extLst>
+          </a:blip>
+          <a:srcRect/>
+          <a:stretch>
+            <a:fillRect/>
+          </a:stretch>
+        </p:blipFill>
+        <p:spPr bwMode="auto">
+          <a:xfrm>
+            <a:off x="1642697" y="4797152"/>
+            <a:ext cx="689156" cy="864096"/>
+          </a:xfrm>
+          <a:prstGeom prst="rect">
+            <a:avLst/>
+          </a:prstGeom>
+          <a:noFill/>
+          <a:extLst>
+            <a:ext uri="{909E8E84-426E-40DD-AFC4-6F175D3DCCD1}">
+              <a14:hiddenFill xmlns:a14="http://schemas.microsoft.com/office/drawing/2010/main">
+                <a:solidFill>
+                  <a:srgbClr val="FFFFFF"/>
+                </a:solidFill>
+              </a14:hiddenFill>
+            </a:ext>
+          </a:extLst>
+        </p:spPr>
+      </p:pic>
+      <p:pic>
+        <p:nvPicPr>
+          <p:cNvPr id="1034" name="Picture 10" descr="http://res.heraldm.com/content/image/2015/10/26/20151026000622_0.jpg"/>
+          <p:cNvPicPr>
+            <a:picLocks noChangeAspect="1" noChangeArrowheads="1"/>
+          </p:cNvPicPr>
+          <p:nvPr/>
+        </p:nvPicPr>
+        <p:blipFill>
+          <a:blip r:embed="rId7" cstate="print">
+            <a:extLst>
+              <a:ext uri="{28A0092B-C50C-407E-A947-70E740481C1C}">
+                <a14:useLocalDpi xmlns:a14="http://schemas.microsoft.com/office/drawing/2010/main" val="0"/>
+              </a:ext>
+            </a:extLst>
+          </a:blip>
+          <a:srcRect/>
+          <a:stretch>
+            <a:fillRect/>
+          </a:stretch>
+        </p:blipFill>
+        <p:spPr bwMode="auto">
+          <a:xfrm>
+            <a:off x="1631950" y="3290888"/>
+            <a:ext cx="593724" cy="455612"/>
+          </a:xfrm>
+          <a:prstGeom prst="rect">
+            <a:avLst/>
+          </a:prstGeom>
+          <a:noFill/>
+          <a:extLst>
+            <a:ext uri="{909E8E84-426E-40DD-AFC4-6F175D3DCCD1}">
+              <a14:hiddenFill xmlns:a14="http://schemas.microsoft.com/office/drawing/2010/main">
+                <a:solidFill>
+                  <a:srgbClr val="FFFFFF"/>
+                </a:solidFill>
+              </a14:hiddenFill>
+            </a:ext>
+          </a:extLst>
+        </p:spPr>
+      </p:pic>
+      <p:pic>
+        <p:nvPicPr>
+          <p:cNvPr id="1036" name="Picture 12" descr="http://image.chosun.com/sitedata/image/201511/13/2015111301067_0.jpg"/>
+          <p:cNvPicPr>
+            <a:picLocks noChangeAspect="1" noChangeArrowheads="1"/>
+          </p:cNvPicPr>
+          <p:nvPr/>
+        </p:nvPicPr>
+        <p:blipFill>
+          <a:blip r:embed="rId8" cstate="print">
+            <a:extLst>
+              <a:ext uri="{28A0092B-C50C-407E-A947-70E740481C1C}">
+                <a14:useLocalDpi xmlns:a14="http://schemas.microsoft.com/office/drawing/2010/main" val="0"/>
+              </a:ext>
+            </a:extLst>
+          </a:blip>
+          <a:srcRect/>
+          <a:stretch>
+            <a:fillRect/>
+          </a:stretch>
+        </p:blipFill>
+        <p:spPr bwMode="auto">
+          <a:xfrm>
+            <a:off x="1651000" y="3861048"/>
+            <a:ext cx="571027" cy="425310"/>
+          </a:xfrm>
+          <a:prstGeom prst="rect">
+            <a:avLst/>
+          </a:prstGeom>
+          <a:noFill/>
+          <a:extLst>
+            <a:ext uri="{909E8E84-426E-40DD-AFC4-6F175D3DCCD1}">
+              <a14:hiddenFill xmlns:a14="http://schemas.microsoft.com/office/drawing/2010/main">
+                <a:solidFill>
+                  <a:srgbClr val="FFFFFF"/>
+                </a:solidFill>
+              </a14:hiddenFill>
+            </a:ext>
+          </a:extLst>
+        </p:spPr>
+      </p:pic>
     </p:spTree>
     <p:extLst>
       <p:ext uri="{BB962C8B-B14F-4D97-AF65-F5344CB8AC3E}">
@@ -9849,7 +10745,7 @@
         </p:nvSpPr>
         <p:spPr>
           <a:xfrm>
-            <a:off x="5292080" y="3776898"/>
+            <a:off x="5292080" y="3614594"/>
             <a:ext cx="2664296" cy="400110"/>
           </a:xfrm>
           <a:prstGeom prst="rect">
@@ -9973,7 +10869,7 @@
         </p:nvSpPr>
         <p:spPr>
           <a:xfrm>
-            <a:off x="5292080" y="5276924"/>
+            <a:off x="5292080" y="4283455"/>
             <a:ext cx="3396208" cy="400110"/>
           </a:xfrm>
           <a:prstGeom prst="rect">
@@ -10111,13 +11007,13 @@
       </p:sp>
       <p:sp>
         <p:nvSpPr>
-          <p:cNvPr id="14" name="TextBox 13"/>
+          <p:cNvPr id="15" name="TextBox 14"/>
           <p:cNvSpPr txBox="1"/>
           <p:nvPr/>
         </p:nvSpPr>
         <p:spPr>
           <a:xfrm>
-            <a:off x="5292080" y="4526911"/>
+            <a:off x="5292080" y="2945733"/>
             <a:ext cx="2664296" cy="400110"/>
           </a:xfrm>
           <a:prstGeom prst="rect">
@@ -10132,7 +11028,7 @@
           <a:lstStyle/>
           <a:p>
             <a:r>
-              <a:rPr lang="en-US" altLang="ko-KR" sz="2000" dirty="0">
+              <a:rPr lang="en-US" altLang="ko-KR" sz="2000" dirty="0" smtClean="0">
                 <a:solidFill>
                   <a:schemeClr val="tx1">
                     <a:lumMod val="50000"/>
@@ -10149,7 +11045,7 @@
                 <a:latin typeface="Adobe 고딕 Std B" pitchFamily="34" charset="-127"/>
                 <a:ea typeface="Adobe 고딕 Std B" pitchFamily="34" charset="-127"/>
               </a:rPr>
-              <a:t>Alarming On / Off</a:t>
+              <a:t>My Profile</a:t>
             </a:r>
             <a:endParaRPr lang="ko-KR" altLang="en-US" sz="2000" dirty="0">
               <a:solidFill>
@@ -10171,16 +11067,57 @@
           </a:p>
         </p:txBody>
       </p:sp>
-      <p:sp>
-        <p:nvSpPr>
-          <p:cNvPr id="15" name="TextBox 14"/>
+      <p:pic>
+        <p:nvPicPr>
+          <p:cNvPr id="4098" name="Picture 2" descr="C:\Users\multimedia\Documents\카카오톡 받은 파일\KakaoTalk_20160314_163024101.jpg"/>
+          <p:cNvPicPr>
+            <a:picLocks noChangeAspect="1" noChangeArrowheads="1"/>
+          </p:cNvPicPr>
+          <p:nvPr/>
+        </p:nvPicPr>
+        <p:blipFill>
+          <a:blip r:embed="rId2">
+            <a:extLst>
+              <a:ext uri="{28A0092B-C50C-407E-A947-70E740481C1C}">
+                <a14:useLocalDpi xmlns:a14="http://schemas.microsoft.com/office/drawing/2010/main" val="0"/>
+              </a:ext>
+            </a:extLst>
+          </a:blip>
+          <a:srcRect/>
+          <a:stretch>
+            <a:fillRect/>
+          </a:stretch>
+        </p:blipFill>
+        <p:spPr bwMode="auto">
+          <a:xfrm>
+            <a:off x="1313020" y="1124744"/>
+            <a:ext cx="2825477" cy="5023069"/>
+          </a:xfrm>
+          <a:prstGeom prst="rect">
+            <a:avLst/>
+          </a:prstGeom>
+          <a:noFill/>
+          <a:extLst>
+            <a:ext uri="{909E8E84-426E-40DD-AFC4-6F175D3DCCD1}">
+              <a14:hiddenFill xmlns:a14="http://schemas.microsoft.com/office/drawing/2010/main">
+                <a:solidFill>
+                  <a:srgbClr val="FFFFFF"/>
+                </a:solidFill>
+              </a14:hiddenFill>
+            </a:ext>
+          </a:extLst>
+        </p:spPr>
+      </p:pic>
+      <p:sp>
+        <p:nvSpPr>
+          <p:cNvPr id="13" name="TextBox 12"/>
           <p:cNvSpPr txBox="1"/>
           <p:nvPr/>
         </p:nvSpPr>
         <p:spPr>
           <a:xfrm>
-            <a:off x="5292080" y="3026885"/>
-            <a:ext cx="2664296" cy="400110"/>
+            <a:off x="5292080" y="5621178"/>
+            <a:ext cx="3396208" cy="400110"/>
           </a:xfrm>
           <a:prstGeom prst="rect">
             <a:avLst/>
@@ -10211,7 +11148,7 @@
                 <a:latin typeface="Adobe 고딕 Std B" pitchFamily="34" charset="-127"/>
                 <a:ea typeface="Adobe 고딕 Std B" pitchFamily="34" charset="-127"/>
               </a:rPr>
-              <a:t>My Profile</a:t>
+              <a:t>Logout</a:t>
             </a:r>
             <a:endParaRPr lang="ko-KR" altLang="en-US" sz="2000" dirty="0">
               <a:solidFill>
@@ -10235,14 +11172,14 @@
       </p:sp>
       <p:pic>
         <p:nvPicPr>
-          <p:cNvPr id="4098" name="Picture 2" descr="C:\Users\multimedia\Documents\카카오톡 받은 파일\KakaoTalk_20160314_163024101.jpg"/>
+          <p:cNvPr id="2050" name="Picture 2"/>
           <p:cNvPicPr>
             <a:picLocks noChangeAspect="1" noChangeArrowheads="1"/>
           </p:cNvPicPr>
           <p:nvPr/>
         </p:nvPicPr>
         <p:blipFill>
-          <a:blip r:embed="rId2">
+          <a:blip r:embed="rId3">
             <a:extLst>
               <a:ext uri="{28A0092B-C50C-407E-A947-70E740481C1C}">
                 <a14:useLocalDpi xmlns:a14="http://schemas.microsoft.com/office/drawing/2010/main" val="0"/>
@@ -10256,33 +11193,56 @@
         </p:blipFill>
         <p:spPr bwMode="auto">
           <a:xfrm>
-            <a:off x="1313020" y="1124744"/>
-            <a:ext cx="2825477" cy="5023069"/>
+            <a:off x="1403648" y="3247007"/>
+            <a:ext cx="1224135" cy="290093"/>
           </a:xfrm>
           <a:prstGeom prst="rect">
             <a:avLst/>
           </a:prstGeom>
           <a:noFill/>
+          <a:ln>
+            <a:noFill/>
+          </a:ln>
+          <a:effectLst/>
           <a:extLst>
             <a:ext uri="{909E8E84-426E-40DD-AFC4-6F175D3DCCD1}">
               <a14:hiddenFill xmlns:a14="http://schemas.microsoft.com/office/drawing/2010/main">
                 <a:solidFill>
-                  <a:srgbClr val="FFFFFF"/>
+                  <a:schemeClr val="accent1"/>
                 </a:solidFill>
               </a14:hiddenFill>
             </a:ext>
+            <a:ext uri="{91240B29-F687-4F45-9708-019B960494DF}">
+              <a14:hiddenLine xmlns:a14="http://schemas.microsoft.com/office/drawing/2010/main" w="9525">
+                <a:solidFill>
+                  <a:schemeClr val="tx1"/>
+                </a:solidFill>
+                <a:miter lim="800000"/>
+                <a:headEnd/>
+                <a:tailEnd/>
+              </a14:hiddenLine>
+            </a:ext>
+            <a:ext uri="{AF507438-7753-43E0-B8FC-AC1667EBCBE1}">
+              <a14:hiddenEffects xmlns:a14="http://schemas.microsoft.com/office/drawing/2010/main">
+                <a:effectLst>
+                  <a:outerShdw dist="35921" dir="2700000" algn="ctr" rotWithShape="0">
+                    <a:schemeClr val="bg2"/>
+                  </a:outerShdw>
+                </a:effectLst>
+              </a14:hiddenEffects>
+            </a:ext>
           </a:extLst>
         </p:spPr>
       </p:pic>
       <p:sp>
         <p:nvSpPr>
-          <p:cNvPr id="13" name="TextBox 12"/>
+          <p:cNvPr id="16" name="TextBox 15"/>
           <p:cNvSpPr txBox="1"/>
           <p:nvPr/>
         </p:nvSpPr>
         <p:spPr>
           <a:xfrm>
-            <a:off x="5292080" y="6026938"/>
+            <a:off x="5292080" y="4952316"/>
             <a:ext cx="3396208" cy="400110"/>
           </a:xfrm>
           <a:prstGeom prst="rect">
@@ -10314,7 +11274,7 @@
                 <a:latin typeface="Adobe 고딕 Std B" pitchFamily="34" charset="-127"/>
                 <a:ea typeface="Adobe 고딕 Std B" pitchFamily="34" charset="-127"/>
               </a:rPr>
-              <a:t>Logout</a:t>
+              <a:t>Settings</a:t>
             </a:r>
             <a:endParaRPr lang="ko-KR" altLang="en-US" sz="2000" dirty="0">
               <a:solidFill>
@@ -10332,6 +11292,632 @@
               </a:effectLst>
               <a:latin typeface="Adobe 고딕 Std B" pitchFamily="34" charset="-127"/>
               <a:ea typeface="Adobe 고딕 Std B" pitchFamily="34" charset="-127"/>
+            </a:endParaRPr>
+          </a:p>
+        </p:txBody>
+      </p:sp>
+      <p:sp>
+        <p:nvSpPr>
+          <p:cNvPr id="17" name="직사각형 16"/>
+          <p:cNvSpPr/>
+          <p:nvPr/>
+        </p:nvSpPr>
+        <p:spPr>
+          <a:xfrm>
+            <a:off x="1313019" y="3676714"/>
+            <a:ext cx="2030003" cy="292562"/>
+          </a:xfrm>
+          <a:prstGeom prst="rect">
+            <a:avLst/>
+          </a:prstGeom>
+          <a:ln>
+            <a:solidFill>
+              <a:schemeClr val="bg1"/>
+            </a:solidFill>
+          </a:ln>
+        </p:spPr>
+        <p:style>
+          <a:lnRef idx="2">
+            <a:schemeClr val="accent1"/>
+          </a:lnRef>
+          <a:fillRef idx="1">
+            <a:schemeClr val="lt1"/>
+          </a:fillRef>
+          <a:effectRef idx="0">
+            <a:schemeClr val="accent1"/>
+          </a:effectRef>
+          <a:fontRef idx="minor">
+            <a:schemeClr val="dk1"/>
+          </a:fontRef>
+        </p:style>
+        <p:txBody>
+          <a:bodyPr rtlCol="0" anchor="ctr"/>
+          <a:lstStyle/>
+          <a:p>
+            <a:pPr algn="ctr"/>
+            <a:endParaRPr lang="ko-KR" altLang="en-US"/>
+          </a:p>
+        </p:txBody>
+      </p:sp>
+      <p:sp>
+        <p:nvSpPr>
+          <p:cNvPr id="18" name="직사각형 17"/>
+          <p:cNvSpPr/>
+          <p:nvPr/>
+        </p:nvSpPr>
+        <p:spPr>
+          <a:xfrm>
+            <a:off x="1259632" y="4137174"/>
+            <a:ext cx="2030003" cy="292562"/>
+          </a:xfrm>
+          <a:prstGeom prst="rect">
+            <a:avLst/>
+          </a:prstGeom>
+          <a:ln>
+            <a:solidFill>
+              <a:schemeClr val="bg1"/>
+            </a:solidFill>
+          </a:ln>
+        </p:spPr>
+        <p:style>
+          <a:lnRef idx="2">
+            <a:schemeClr val="accent1"/>
+          </a:lnRef>
+          <a:fillRef idx="1">
+            <a:schemeClr val="lt1"/>
+          </a:fillRef>
+          <a:effectRef idx="0">
+            <a:schemeClr val="accent1"/>
+          </a:effectRef>
+          <a:fontRef idx="minor">
+            <a:schemeClr val="dk1"/>
+          </a:fontRef>
+        </p:style>
+        <p:txBody>
+          <a:bodyPr rtlCol="0" anchor="ctr"/>
+          <a:lstStyle/>
+          <a:p>
+            <a:pPr algn="ctr"/>
+            <a:endParaRPr lang="ko-KR" altLang="en-US"/>
+          </a:p>
+        </p:txBody>
+      </p:sp>
+      <p:pic>
+        <p:nvPicPr>
+          <p:cNvPr id="2052" name="Picture 4"/>
+          <p:cNvPicPr>
+            <a:picLocks noChangeAspect="1" noChangeArrowheads="1"/>
+          </p:cNvPicPr>
+          <p:nvPr/>
+        </p:nvPicPr>
+        <p:blipFill>
+          <a:blip r:embed="rId4">
+            <a:extLst>
+              <a:ext uri="{28A0092B-C50C-407E-A947-70E740481C1C}">
+                <a14:useLocalDpi xmlns:a14="http://schemas.microsoft.com/office/drawing/2010/main" val="0"/>
+              </a:ext>
+            </a:extLst>
+          </a:blip>
+          <a:srcRect/>
+          <a:stretch>
+            <a:fillRect/>
+          </a:stretch>
+        </p:blipFill>
+        <p:spPr bwMode="auto">
+          <a:xfrm>
+            <a:off x="1395550" y="3687901"/>
+            <a:ext cx="1085935" cy="263257"/>
+          </a:xfrm>
+          <a:prstGeom prst="rect">
+            <a:avLst/>
+          </a:prstGeom>
+          <a:noFill/>
+          <a:ln>
+            <a:noFill/>
+          </a:ln>
+          <a:effectLst/>
+          <a:extLst>
+            <a:ext uri="{909E8E84-426E-40DD-AFC4-6F175D3DCCD1}">
+              <a14:hiddenFill xmlns:a14="http://schemas.microsoft.com/office/drawing/2010/main">
+                <a:solidFill>
+                  <a:schemeClr val="accent1"/>
+                </a:solidFill>
+              </a14:hiddenFill>
+            </a:ext>
+            <a:ext uri="{91240B29-F687-4F45-9708-019B960494DF}">
+              <a14:hiddenLine xmlns:a14="http://schemas.microsoft.com/office/drawing/2010/main" w="9525">
+                <a:solidFill>
+                  <a:schemeClr val="tx1"/>
+                </a:solidFill>
+                <a:miter lim="800000"/>
+                <a:headEnd/>
+                <a:tailEnd/>
+              </a14:hiddenLine>
+            </a:ext>
+            <a:ext uri="{AF507438-7753-43E0-B8FC-AC1667EBCBE1}">
+              <a14:hiddenEffects xmlns:a14="http://schemas.microsoft.com/office/drawing/2010/main">
+                <a:effectLst>
+                  <a:outerShdw dist="35921" dir="2700000" algn="ctr" rotWithShape="0">
+                    <a:schemeClr val="bg2"/>
+                  </a:outerShdw>
+                </a:effectLst>
+              </a14:hiddenEffects>
+            </a:ext>
+          </a:extLst>
+        </p:spPr>
+      </p:pic>
+      <p:sp>
+        <p:nvSpPr>
+          <p:cNvPr id="21" name="직사각형 20"/>
+          <p:cNvSpPr/>
+          <p:nvPr/>
+        </p:nvSpPr>
+        <p:spPr>
+          <a:xfrm>
+            <a:off x="1259631" y="4537284"/>
+            <a:ext cx="2030003" cy="292562"/>
+          </a:xfrm>
+          <a:prstGeom prst="rect">
+            <a:avLst/>
+          </a:prstGeom>
+          <a:ln>
+            <a:solidFill>
+              <a:schemeClr val="bg1"/>
+            </a:solidFill>
+          </a:ln>
+        </p:spPr>
+        <p:style>
+          <a:lnRef idx="2">
+            <a:schemeClr val="accent1"/>
+          </a:lnRef>
+          <a:fillRef idx="1">
+            <a:schemeClr val="lt1"/>
+          </a:fillRef>
+          <a:effectRef idx="0">
+            <a:schemeClr val="accent1"/>
+          </a:effectRef>
+          <a:fontRef idx="minor">
+            <a:schemeClr val="dk1"/>
+          </a:fontRef>
+        </p:style>
+        <p:txBody>
+          <a:bodyPr rtlCol="0" anchor="ctr"/>
+          <a:lstStyle/>
+          <a:p>
+            <a:pPr algn="ctr"/>
+            <a:endParaRPr lang="ko-KR" altLang="en-US"/>
+          </a:p>
+        </p:txBody>
+      </p:sp>
+      <p:sp>
+        <p:nvSpPr>
+          <p:cNvPr id="23" name="직사각형 22"/>
+          <p:cNvSpPr/>
+          <p:nvPr/>
+        </p:nvSpPr>
+        <p:spPr>
+          <a:xfrm>
+            <a:off x="1187624" y="5006090"/>
+            <a:ext cx="2030003" cy="292562"/>
+          </a:xfrm>
+          <a:prstGeom prst="rect">
+            <a:avLst/>
+          </a:prstGeom>
+          <a:ln>
+            <a:solidFill>
+              <a:schemeClr val="bg1"/>
+            </a:solidFill>
+          </a:ln>
+        </p:spPr>
+        <p:style>
+          <a:lnRef idx="2">
+            <a:schemeClr val="accent1"/>
+          </a:lnRef>
+          <a:fillRef idx="1">
+            <a:schemeClr val="lt1"/>
+          </a:fillRef>
+          <a:effectRef idx="0">
+            <a:schemeClr val="accent1"/>
+          </a:effectRef>
+          <a:fontRef idx="minor">
+            <a:schemeClr val="dk1"/>
+          </a:fontRef>
+        </p:style>
+        <p:txBody>
+          <a:bodyPr rtlCol="0" anchor="ctr"/>
+          <a:lstStyle/>
+          <a:p>
+            <a:pPr algn="ctr"/>
+            <a:endParaRPr lang="ko-KR" altLang="en-US"/>
+          </a:p>
+        </p:txBody>
+      </p:sp>
+      <p:sp>
+        <p:nvSpPr>
+          <p:cNvPr id="24" name="직사각형 23"/>
+          <p:cNvSpPr/>
+          <p:nvPr/>
+        </p:nvSpPr>
+        <p:spPr>
+          <a:xfrm>
+            <a:off x="1187624" y="5474897"/>
+            <a:ext cx="2030003" cy="292562"/>
+          </a:xfrm>
+          <a:prstGeom prst="rect">
+            <a:avLst/>
+          </a:prstGeom>
+          <a:ln>
+            <a:solidFill>
+              <a:schemeClr val="bg1"/>
+            </a:solidFill>
+          </a:ln>
+        </p:spPr>
+        <p:style>
+          <a:lnRef idx="2">
+            <a:schemeClr val="accent1"/>
+          </a:lnRef>
+          <a:fillRef idx="1">
+            <a:schemeClr val="lt1"/>
+          </a:fillRef>
+          <a:effectRef idx="0">
+            <a:schemeClr val="accent1"/>
+          </a:effectRef>
+          <a:fontRef idx="minor">
+            <a:schemeClr val="dk1"/>
+          </a:fontRef>
+        </p:style>
+        <p:txBody>
+          <a:bodyPr rtlCol="0" anchor="ctr"/>
+          <a:lstStyle/>
+          <a:p>
+            <a:pPr algn="ctr"/>
+            <a:endParaRPr lang="ko-KR" altLang="en-US"/>
+          </a:p>
+        </p:txBody>
+      </p:sp>
+      <p:sp>
+        <p:nvSpPr>
+          <p:cNvPr id="26" name="직사각형 25"/>
+          <p:cNvSpPr/>
+          <p:nvPr/>
+        </p:nvSpPr>
+        <p:spPr>
+          <a:xfrm>
+            <a:off x="1412032" y="4289574"/>
+            <a:ext cx="2030003" cy="292562"/>
+          </a:xfrm>
+          <a:prstGeom prst="rect">
+            <a:avLst/>
+          </a:prstGeom>
+          <a:ln>
+            <a:solidFill>
+              <a:schemeClr val="bg1"/>
+            </a:solidFill>
+          </a:ln>
+        </p:spPr>
+        <p:style>
+          <a:lnRef idx="2">
+            <a:schemeClr val="accent1"/>
+          </a:lnRef>
+          <a:fillRef idx="1">
+            <a:schemeClr val="lt1"/>
+          </a:fillRef>
+          <a:effectRef idx="0">
+            <a:schemeClr val="accent1"/>
+          </a:effectRef>
+          <a:fontRef idx="minor">
+            <a:schemeClr val="dk1"/>
+          </a:fontRef>
+        </p:style>
+        <p:txBody>
+          <a:bodyPr rtlCol="0" anchor="ctr"/>
+          <a:lstStyle/>
+          <a:p>
+            <a:pPr algn="ctr"/>
+            <a:endParaRPr lang="ko-KR" altLang="en-US"/>
+          </a:p>
+        </p:txBody>
+      </p:sp>
+      <p:pic>
+        <p:nvPicPr>
+          <p:cNvPr id="2051" name="Picture 3"/>
+          <p:cNvPicPr>
+            <a:picLocks noChangeAspect="1" noChangeArrowheads="1"/>
+          </p:cNvPicPr>
+          <p:nvPr/>
+        </p:nvPicPr>
+        <p:blipFill>
+          <a:blip r:embed="rId5">
+            <a:extLst>
+              <a:ext uri="{28A0092B-C50C-407E-A947-70E740481C1C}">
+                <a14:useLocalDpi xmlns:a14="http://schemas.microsoft.com/office/drawing/2010/main" val="0"/>
+              </a:ext>
+            </a:extLst>
+          </a:blip>
+          <a:srcRect/>
+          <a:stretch>
+            <a:fillRect/>
+          </a:stretch>
+        </p:blipFill>
+        <p:spPr bwMode="auto">
+          <a:xfrm>
+            <a:off x="1396157" y="4121997"/>
+            <a:ext cx="1135335" cy="297352"/>
+          </a:xfrm>
+          <a:prstGeom prst="rect">
+            <a:avLst/>
+          </a:prstGeom>
+          <a:noFill/>
+          <a:ln>
+            <a:noFill/>
+          </a:ln>
+          <a:effectLst/>
+          <a:extLst>
+            <a:ext uri="{909E8E84-426E-40DD-AFC4-6F175D3DCCD1}">
+              <a14:hiddenFill xmlns:a14="http://schemas.microsoft.com/office/drawing/2010/main">
+                <a:solidFill>
+                  <a:schemeClr val="accent1"/>
+                </a:solidFill>
+              </a14:hiddenFill>
+            </a:ext>
+            <a:ext uri="{91240B29-F687-4F45-9708-019B960494DF}">
+              <a14:hiddenLine xmlns:a14="http://schemas.microsoft.com/office/drawing/2010/main" w="9525">
+                <a:solidFill>
+                  <a:schemeClr val="tx1"/>
+                </a:solidFill>
+                <a:miter lim="800000"/>
+                <a:headEnd/>
+                <a:tailEnd/>
+              </a14:hiddenLine>
+            </a:ext>
+            <a:ext uri="{AF507438-7753-43E0-B8FC-AC1667EBCBE1}">
+              <a14:hiddenEffects xmlns:a14="http://schemas.microsoft.com/office/drawing/2010/main">
+                <a:effectLst>
+                  <a:outerShdw dist="35921" dir="2700000" algn="ctr" rotWithShape="0">
+                    <a:schemeClr val="bg2"/>
+                  </a:outerShdw>
+                </a:effectLst>
+              </a14:hiddenEffects>
+            </a:ext>
+          </a:extLst>
+        </p:spPr>
+      </p:pic>
+      <p:sp>
+        <p:nvSpPr>
+          <p:cNvPr id="27" name="직사각형 26"/>
+          <p:cNvSpPr/>
+          <p:nvPr/>
+        </p:nvSpPr>
+        <p:spPr>
+          <a:xfrm>
+            <a:off x="1000713" y="5875007"/>
+            <a:ext cx="2030003" cy="292562"/>
+          </a:xfrm>
+          <a:prstGeom prst="rect">
+            <a:avLst/>
+          </a:prstGeom>
+          <a:ln>
+            <a:solidFill>
+              <a:schemeClr val="bg1"/>
+            </a:solidFill>
+          </a:ln>
+        </p:spPr>
+        <p:style>
+          <a:lnRef idx="2">
+            <a:schemeClr val="accent1"/>
+          </a:lnRef>
+          <a:fillRef idx="1">
+            <a:schemeClr val="lt1"/>
+          </a:fillRef>
+          <a:effectRef idx="0">
+            <a:schemeClr val="accent1"/>
+          </a:effectRef>
+          <a:fontRef idx="minor">
+            <a:schemeClr val="dk1"/>
+          </a:fontRef>
+        </p:style>
+        <p:txBody>
+          <a:bodyPr rtlCol="0" anchor="ctr"/>
+          <a:lstStyle/>
+          <a:p>
+            <a:pPr algn="ctr"/>
+            <a:endParaRPr lang="ko-KR" altLang="en-US"/>
+          </a:p>
+        </p:txBody>
+      </p:sp>
+      <p:sp>
+        <p:nvSpPr>
+          <p:cNvPr id="28" name="직사각형 27"/>
+          <p:cNvSpPr/>
+          <p:nvPr/>
+        </p:nvSpPr>
+        <p:spPr>
+          <a:xfrm>
+            <a:off x="2843808" y="1896749"/>
+            <a:ext cx="648072" cy="292562"/>
+          </a:xfrm>
+          <a:prstGeom prst="rect">
+            <a:avLst/>
+          </a:prstGeom>
+          <a:ln>
+            <a:solidFill>
+              <a:schemeClr val="bg1"/>
+            </a:solidFill>
+          </a:ln>
+        </p:spPr>
+        <p:style>
+          <a:lnRef idx="2">
+            <a:schemeClr val="accent1"/>
+          </a:lnRef>
+          <a:fillRef idx="1">
+            <a:schemeClr val="lt1"/>
+          </a:fillRef>
+          <a:effectRef idx="0">
+            <a:schemeClr val="accent1"/>
+          </a:effectRef>
+          <a:fontRef idx="minor">
+            <a:schemeClr val="dk1"/>
+          </a:fontRef>
+        </p:style>
+        <p:txBody>
+          <a:bodyPr rtlCol="0" anchor="ctr"/>
+          <a:lstStyle/>
+          <a:p>
+            <a:pPr algn="ctr"/>
+            <a:r>
+              <a:rPr lang="en-US" altLang="ko-KR" sz="1200" dirty="0" smtClean="0">
+                <a:solidFill>
+                  <a:schemeClr val="bg1">
+                    <a:lumMod val="50000"/>
+                  </a:schemeClr>
+                </a:solidFill>
+                <a:effectLst>
+                  <a:outerShdw blurRad="38100" dist="38100" dir="2700000" algn="tl">
+                    <a:srgbClr val="000000">
+                      <a:alpha val="43137"/>
+                    </a:srgbClr>
+                  </a:outerShdw>
+                </a:effectLst>
+              </a:rPr>
+              <a:t>P</a:t>
+            </a:r>
+            <a:r>
+              <a:rPr lang="en-US" altLang="ko-KR" sz="800" dirty="0" smtClean="0">
+                <a:solidFill>
+                  <a:schemeClr val="bg1">
+                    <a:lumMod val="50000"/>
+                  </a:schemeClr>
+                </a:solidFill>
+                <a:effectLst>
+                  <a:outerShdw blurRad="38100" dist="38100" dir="2700000" algn="tl">
+                    <a:srgbClr val="000000">
+                      <a:alpha val="43137"/>
+                    </a:srgbClr>
+                  </a:outerShdw>
+                </a:effectLst>
+              </a:rPr>
+              <a:t> </a:t>
+            </a:r>
+            <a:r>
+              <a:rPr lang="en-US" altLang="ko-KR" sz="1200" dirty="0" smtClean="0">
+                <a:solidFill>
+                  <a:schemeClr val="bg1">
+                    <a:lumMod val="50000"/>
+                  </a:schemeClr>
+                </a:solidFill>
+                <a:effectLst>
+                  <a:outerShdw blurRad="38100" dist="38100" dir="2700000" algn="tl">
+                    <a:srgbClr val="000000">
+                      <a:alpha val="43137"/>
+                    </a:srgbClr>
+                  </a:outerShdw>
+                </a:effectLst>
+              </a:rPr>
+              <a:t>100</a:t>
+            </a:r>
+            <a:endParaRPr lang="ko-KR" altLang="en-US" sz="1200" dirty="0">
+              <a:solidFill>
+                <a:schemeClr val="bg1">
+                  <a:lumMod val="50000"/>
+                </a:schemeClr>
+              </a:solidFill>
+              <a:effectLst>
+                <a:outerShdw blurRad="38100" dist="38100" dir="2700000" algn="tl">
+                  <a:srgbClr val="000000">
+                    <a:alpha val="43137"/>
+                  </a:srgbClr>
+                </a:outerShdw>
+              </a:effectLst>
+            </a:endParaRPr>
+          </a:p>
+        </p:txBody>
+      </p:sp>
+      <p:sp>
+        <p:nvSpPr>
+          <p:cNvPr id="29" name="직사각형 28"/>
+          <p:cNvSpPr/>
+          <p:nvPr/>
+        </p:nvSpPr>
+        <p:spPr>
+          <a:xfrm>
+            <a:off x="1358545" y="1896749"/>
+            <a:ext cx="1341247" cy="292562"/>
+          </a:xfrm>
+          <a:prstGeom prst="rect">
+            <a:avLst/>
+          </a:prstGeom>
+          <a:ln>
+            <a:solidFill>
+              <a:schemeClr val="bg1"/>
+            </a:solidFill>
+          </a:ln>
+        </p:spPr>
+        <p:style>
+          <a:lnRef idx="2">
+            <a:schemeClr val="accent1"/>
+          </a:lnRef>
+          <a:fillRef idx="1">
+            <a:schemeClr val="lt1"/>
+          </a:fillRef>
+          <a:effectRef idx="0">
+            <a:schemeClr val="accent1"/>
+          </a:effectRef>
+          <a:fontRef idx="minor">
+            <a:schemeClr val="dk1"/>
+          </a:fontRef>
+        </p:style>
+        <p:txBody>
+          <a:bodyPr rtlCol="0" anchor="ctr"/>
+          <a:lstStyle/>
+          <a:p>
+            <a:pPr algn="ctr"/>
+            <a:r>
+              <a:rPr lang="en-US" altLang="ko-KR" sz="800" dirty="0" smtClean="0">
+                <a:solidFill>
+                  <a:schemeClr val="bg1">
+                    <a:lumMod val="50000"/>
+                  </a:schemeClr>
+                </a:solidFill>
+                <a:effectLst>
+                  <a:outerShdw blurRad="38100" dist="38100" dir="2700000" algn="tl">
+                    <a:srgbClr val="000000">
+                      <a:alpha val="43137"/>
+                    </a:srgbClr>
+                  </a:outerShdw>
+                </a:effectLst>
+              </a:rPr>
+              <a:t>100</a:t>
+            </a:r>
+            <a:r>
+              <a:rPr lang="en-US" altLang="ko-KR" sz="800" dirty="0" smtClean="0">
+                <a:solidFill>
+                  <a:schemeClr val="bg1">
+                    <a:lumMod val="50000"/>
+                  </a:schemeClr>
+                </a:solidFill>
+                <a:effectLst>
+                  <a:outerShdw blurRad="38100" dist="38100" dir="2700000" algn="tl">
+                    <a:srgbClr val="000000">
+                      <a:alpha val="43137"/>
+                    </a:srgbClr>
+                  </a:outerShdw>
+                </a:effectLst>
+              </a:rPr>
+              <a:t> Points to Next Level</a:t>
+            </a:r>
+            <a:endParaRPr lang="ko-KR" altLang="en-US" sz="800" dirty="0">
+              <a:solidFill>
+                <a:schemeClr val="bg1">
+                  <a:lumMod val="50000"/>
+                </a:schemeClr>
+              </a:solidFill>
+              <a:effectLst>
+                <a:outerShdw blurRad="38100" dist="38100" dir="2700000" algn="tl">
+                  <a:srgbClr val="000000">
+                    <a:alpha val="43137"/>
+                  </a:srgbClr>
+                </a:outerShdw>
+              </a:effectLst>
             </a:endParaRPr>
           </a:p>
         </p:txBody>
